--- a/ESS_May_2021/Wednesday_May_5th/4_Choppers_and_other_rotating_optics/Choppers_and_other_rotating_optics.pptx
+++ b/ESS_May_2021/Wednesday_May_5th/4_Choppers_and_other_rotating_optics/Choppers_and_other_rotating_optics.pptx
@@ -329,6 +329,7 @@
 <file path=ppt/revisionInfo.xml><?xml version="1.0" encoding="utf-8"?>
 <p1510:revInfo xmlns:a="http://schemas.openxmlformats.org/drawingml/2006/main" xmlns:r="http://schemas.openxmlformats.org/officeDocument/2006/relationships" xmlns:p1510="http://schemas.microsoft.com/office/powerpoint/2015/10/main">
   <p1510:revLst>
+    <p1510:client id="{71DAC49F-70DE-C000-1817-673F8C2CCAD2}" v="84" dt="2021-05-05T07:51:28.127"/>
     <p1510:client id="{E75AC49F-B0F6-C000-02A9-2E752A6CA3A7}" v="436" dt="2021-05-03T19:03:28.251"/>
   </p1510:revLst>
 </p1510:revInfo>
@@ -1240,6 +1241,30 @@
       </pc:sldChg>
     </pc:docChg>
   </pc:docChgLst>
+  <pc:docChgLst>
+    <pc:chgData name="Erik Bergbäck Knudsen" userId="S::erkn@dtu.dk::7028c474-af22-41ee-9ddd-5fdf2cd26899" providerId="AD" clId="Web-{71DAC49F-70DE-C000-1817-673F8C2CCAD2}"/>
+    <pc:docChg chg="modSld">
+      <pc:chgData name="Erik Bergbäck Knudsen" userId="S::erkn@dtu.dk::7028c474-af22-41ee-9ddd-5fdf2cd26899" providerId="AD" clId="Web-{71DAC49F-70DE-C000-1817-673F8C2CCAD2}" dt="2021-05-05T07:51:28.127" v="44" actId="20577"/>
+      <pc:docMkLst>
+        <pc:docMk/>
+      </pc:docMkLst>
+      <pc:sldChg chg="modSp">
+        <pc:chgData name="Erik Bergbäck Knudsen" userId="S::erkn@dtu.dk::7028c474-af22-41ee-9ddd-5fdf2cd26899" providerId="AD" clId="Web-{71DAC49F-70DE-C000-1817-673F8C2CCAD2}" dt="2021-05-05T07:51:28.127" v="44" actId="20577"/>
+        <pc:sldMkLst>
+          <pc:docMk/>
+          <pc:sldMk cId="3100325822" sldId="273"/>
+        </pc:sldMkLst>
+        <pc:spChg chg="mod">
+          <ac:chgData name="Erik Bergbäck Knudsen" userId="S::erkn@dtu.dk::7028c474-af22-41ee-9ddd-5fdf2cd26899" providerId="AD" clId="Web-{71DAC49F-70DE-C000-1817-673F8C2CCAD2}" dt="2021-05-05T07:51:28.127" v="44" actId="20577"/>
+          <ac:spMkLst>
+            <pc:docMk/>
+            <pc:sldMk cId="3100325822" sldId="273"/>
+            <ac:spMk id="2" creationId="{5C198597-7A87-4A18-85B8-58DD1D3D7E18}"/>
+          </ac:spMkLst>
+        </pc:spChg>
+      </pc:sldChg>
+    </pc:docChg>
+  </pc:docChgLst>
 </pc:chgInfo>
 </file>
 
@@ -2218,7 +2243,7 @@
           </a:ln>
           <a:extLst>
             <a:ext uri="{C572A759-6A51-4108-AA02-DFA0A04FC94B}">
-              <ma14:wrappingTextBoxFlag xmlns="" xmlns:m="http://schemas.openxmlformats.org/officeDocument/2006/math" xmlns:a14="http://schemas.microsoft.com/office/drawing/2010/main" xmlns:ma14="http://schemas.microsoft.com/office/mac/drawingml/2011/main" val="1"/>
+              <ma14:wrappingTextBoxFlag xmlns:ma14="http://schemas.microsoft.com/office/mac/drawingml/2011/main" xmlns:a14="http://schemas.microsoft.com/office/drawing/2010/main" xmlns:m="http://schemas.openxmlformats.org/officeDocument/2006/math" xmlns="" val="1"/>
             </a:ext>
           </a:extLst>
         </p:spPr>
@@ -3122,7 +3147,7 @@
           </a:ln>
           <a:extLst>
             <a:ext uri="{C572A759-6A51-4108-AA02-DFA0A04FC94B}">
-              <ma14:wrappingTextBoxFlag xmlns="" xmlns:m="http://schemas.openxmlformats.org/officeDocument/2006/math" xmlns:a14="http://schemas.microsoft.com/office/drawing/2010/main" xmlns:ma14="http://schemas.microsoft.com/office/mac/drawingml/2011/main" val="1"/>
+              <ma14:wrappingTextBoxFlag xmlns:ma14="http://schemas.microsoft.com/office/mac/drawingml/2011/main" xmlns:a14="http://schemas.microsoft.com/office/drawing/2010/main" xmlns:m="http://schemas.openxmlformats.org/officeDocument/2006/math" xmlns="" val="1"/>
             </a:ext>
           </a:extLst>
         </p:spPr>
@@ -3369,7 +3394,7 @@
             <a:effectLst/>
             <a:extLst>
               <a:ext uri="{C572A759-6A51-4108-AA02-DFA0A04FC94B}">
-                <ma14:wrappingTextBoxFlag xmlns="" xmlns:m="http://schemas.openxmlformats.org/officeDocument/2006/math" xmlns:a14="http://schemas.microsoft.com/office/drawing/2010/main" xmlns:ma14="http://schemas.microsoft.com/office/mac/drawingml/2011/main" val="1"/>
+                <ma14:wrappingTextBoxFlag xmlns:ma14="http://schemas.microsoft.com/office/mac/drawingml/2011/main" xmlns:a14="http://schemas.microsoft.com/office/drawing/2010/main" xmlns:m="http://schemas.openxmlformats.org/officeDocument/2006/math" xmlns="" val="1"/>
               </a:ext>
             </a:extLst>
           </p:spPr>
@@ -4843,7 +4868,7 @@
           </a:ln>
           <a:extLst>
             <a:ext uri="{C572A759-6A51-4108-AA02-DFA0A04FC94B}">
-              <ma14:wrappingTextBoxFlag xmlns="" xmlns:m="http://schemas.openxmlformats.org/officeDocument/2006/math" xmlns:a14="http://schemas.microsoft.com/office/drawing/2010/main" xmlns:ma14="http://schemas.microsoft.com/office/mac/drawingml/2011/main" val="1"/>
+              <ma14:wrappingTextBoxFlag xmlns:ma14="http://schemas.microsoft.com/office/mac/drawingml/2011/main" xmlns:a14="http://schemas.microsoft.com/office/drawing/2010/main" xmlns:m="http://schemas.openxmlformats.org/officeDocument/2006/math" xmlns="" val="1"/>
             </a:ext>
           </a:extLst>
         </p:spPr>
@@ -5090,7 +5115,7 @@
             <a:effectLst/>
             <a:extLst>
               <a:ext uri="{C572A759-6A51-4108-AA02-DFA0A04FC94B}">
-                <ma14:wrappingTextBoxFlag xmlns="" xmlns:m="http://schemas.openxmlformats.org/officeDocument/2006/math" xmlns:a14="http://schemas.microsoft.com/office/drawing/2010/main" xmlns:ma14="http://schemas.microsoft.com/office/mac/drawingml/2011/main" val="1"/>
+                <ma14:wrappingTextBoxFlag xmlns:ma14="http://schemas.microsoft.com/office/mac/drawingml/2011/main" xmlns:a14="http://schemas.microsoft.com/office/drawing/2010/main" xmlns:m="http://schemas.openxmlformats.org/officeDocument/2006/math" xmlns="" val="1"/>
               </a:ext>
             </a:extLst>
           </p:spPr>
@@ -6618,7 +6643,7 @@
           </a:ln>
           <a:extLst>
             <a:ext uri="{C572A759-6A51-4108-AA02-DFA0A04FC94B}">
-              <ma14:wrappingTextBoxFlag xmlns="" xmlns:m="http://schemas.openxmlformats.org/officeDocument/2006/math" xmlns:a14="http://schemas.microsoft.com/office/drawing/2010/main" xmlns:ma14="http://schemas.microsoft.com/office/mac/drawingml/2011/main" val="1"/>
+              <ma14:wrappingTextBoxFlag xmlns:ma14="http://schemas.microsoft.com/office/mac/drawingml/2011/main" xmlns:a14="http://schemas.microsoft.com/office/drawing/2010/main" xmlns:m="http://schemas.openxmlformats.org/officeDocument/2006/math" xmlns="" val="1"/>
             </a:ext>
           </a:extLst>
         </p:spPr>
@@ -6865,7 +6890,7 @@
             <a:effectLst/>
             <a:extLst>
               <a:ext uri="{C572A759-6A51-4108-AA02-DFA0A04FC94B}">
-                <ma14:wrappingTextBoxFlag xmlns="" xmlns:m="http://schemas.openxmlformats.org/officeDocument/2006/math" xmlns:a14="http://schemas.microsoft.com/office/drawing/2010/main" xmlns:ma14="http://schemas.microsoft.com/office/mac/drawingml/2011/main" val="1"/>
+                <ma14:wrappingTextBoxFlag xmlns:ma14="http://schemas.microsoft.com/office/mac/drawingml/2011/main" xmlns:a14="http://schemas.microsoft.com/office/drawing/2010/main" xmlns:m="http://schemas.openxmlformats.org/officeDocument/2006/math" xmlns="" val="1"/>
               </a:ext>
             </a:extLst>
           </p:spPr>
@@ -8393,7 +8418,7 @@
           </a:ln>
           <a:extLst>
             <a:ext uri="{C572A759-6A51-4108-AA02-DFA0A04FC94B}">
-              <ma14:wrappingTextBoxFlag xmlns="" xmlns:m="http://schemas.openxmlformats.org/officeDocument/2006/math" xmlns:a14="http://schemas.microsoft.com/office/drawing/2010/main" xmlns:ma14="http://schemas.microsoft.com/office/mac/drawingml/2011/main" val="1"/>
+              <ma14:wrappingTextBoxFlag xmlns:ma14="http://schemas.microsoft.com/office/mac/drawingml/2011/main" xmlns:a14="http://schemas.microsoft.com/office/drawing/2010/main" xmlns:m="http://schemas.openxmlformats.org/officeDocument/2006/math" xmlns="" val="1"/>
             </a:ext>
           </a:extLst>
         </p:spPr>
@@ -8667,7 +8692,7 @@
             <a:effectLst/>
             <a:extLst>
               <a:ext uri="{C572A759-6A51-4108-AA02-DFA0A04FC94B}">
-                <ma14:wrappingTextBoxFlag xmlns="" xmlns:m="http://schemas.openxmlformats.org/officeDocument/2006/math" xmlns:a14="http://schemas.microsoft.com/office/drawing/2010/main" xmlns:ma14="http://schemas.microsoft.com/office/mac/drawingml/2011/main" val="1"/>
+                <ma14:wrappingTextBoxFlag xmlns:ma14="http://schemas.microsoft.com/office/mac/drawingml/2011/main" xmlns:a14="http://schemas.microsoft.com/office/drawing/2010/main" xmlns:m="http://schemas.openxmlformats.org/officeDocument/2006/math" xmlns="" val="1"/>
               </a:ext>
             </a:extLst>
           </p:spPr>
@@ -10953,7 +10978,7 @@
           </a:ln>
           <a:extLst>
             <a:ext uri="{C572A759-6A51-4108-AA02-DFA0A04FC94B}">
-              <ma14:wrappingTextBoxFlag xmlns="" xmlns:m="http://schemas.openxmlformats.org/officeDocument/2006/math" xmlns:a14="http://schemas.microsoft.com/office/drawing/2010/main" xmlns:ma14="http://schemas.microsoft.com/office/mac/drawingml/2011/main" val="1"/>
+              <ma14:wrappingTextBoxFlag xmlns:ma14="http://schemas.microsoft.com/office/mac/drawingml/2011/main" xmlns:a14="http://schemas.microsoft.com/office/drawing/2010/main" xmlns:m="http://schemas.openxmlformats.org/officeDocument/2006/math" xmlns="" val="1"/>
             </a:ext>
           </a:extLst>
         </p:spPr>
@@ -11001,7 +11026,7 @@
           </a:ln>
           <a:extLst>
             <a:ext uri="{C572A759-6A51-4108-AA02-DFA0A04FC94B}">
-              <ma14:wrappingTextBoxFlag xmlns="" xmlns:m="http://schemas.openxmlformats.org/officeDocument/2006/math" xmlns:a14="http://schemas.microsoft.com/office/drawing/2010/main" xmlns:ma14="http://schemas.microsoft.com/office/mac/drawingml/2011/main" val="1"/>
+              <ma14:wrappingTextBoxFlag xmlns:ma14="http://schemas.microsoft.com/office/mac/drawingml/2011/main" xmlns:a14="http://schemas.microsoft.com/office/drawing/2010/main" xmlns:m="http://schemas.openxmlformats.org/officeDocument/2006/math" xmlns="" val="1"/>
             </a:ext>
           </a:extLst>
         </p:spPr>
@@ -11823,7 +11848,7 @@
           </a:ln>
           <a:extLst>
             <a:ext uri="{C572A759-6A51-4108-AA02-DFA0A04FC94B}">
-              <ma14:wrappingTextBoxFlag xmlns="" xmlns:m="http://schemas.openxmlformats.org/officeDocument/2006/math" xmlns:a14="http://schemas.microsoft.com/office/drawing/2010/main" xmlns:ma14="http://schemas.microsoft.com/office/mac/drawingml/2011/main" val="1"/>
+              <ma14:wrappingTextBoxFlag xmlns:ma14="http://schemas.microsoft.com/office/mac/drawingml/2011/main" xmlns:a14="http://schemas.microsoft.com/office/drawing/2010/main" xmlns:m="http://schemas.openxmlformats.org/officeDocument/2006/math" xmlns="" val="1"/>
             </a:ext>
           </a:extLst>
         </p:spPr>
@@ -12070,7 +12095,7 @@
             <a:effectLst/>
             <a:extLst>
               <a:ext uri="{C572A759-6A51-4108-AA02-DFA0A04FC94B}">
-                <ma14:wrappingTextBoxFlag xmlns="" xmlns:m="http://schemas.openxmlformats.org/officeDocument/2006/math" xmlns:a14="http://schemas.microsoft.com/office/drawing/2010/main" xmlns:ma14="http://schemas.microsoft.com/office/mac/drawingml/2011/main" val="1"/>
+                <ma14:wrappingTextBoxFlag xmlns:ma14="http://schemas.microsoft.com/office/mac/drawingml/2011/main" xmlns:a14="http://schemas.microsoft.com/office/drawing/2010/main" xmlns:m="http://schemas.openxmlformats.org/officeDocument/2006/math" xmlns="" val="1"/>
               </a:ext>
             </a:extLst>
           </p:spPr>
@@ -13418,7 +13443,7 @@
           </a:ln>
           <a:extLst>
             <a:ext uri="{C572A759-6A51-4108-AA02-DFA0A04FC94B}">
-              <ma14:wrappingTextBoxFlag xmlns="" xmlns:m="http://schemas.openxmlformats.org/officeDocument/2006/math" xmlns:a14="http://schemas.microsoft.com/office/drawing/2010/main" xmlns:ma14="http://schemas.microsoft.com/office/mac/drawingml/2011/main" val="1"/>
+              <ma14:wrappingTextBoxFlag xmlns:ma14="http://schemas.microsoft.com/office/mac/drawingml/2011/main" xmlns:a14="http://schemas.microsoft.com/office/drawing/2010/main" xmlns:m="http://schemas.openxmlformats.org/officeDocument/2006/math" xmlns="" val="1"/>
             </a:ext>
           </a:extLst>
         </p:spPr>
@@ -13464,7 +13489,7 @@
           </a:ln>
           <a:extLst>
             <a:ext uri="{C572A759-6A51-4108-AA02-DFA0A04FC94B}">
-              <ma14:wrappingTextBoxFlag xmlns="" xmlns:m="http://schemas.openxmlformats.org/officeDocument/2006/math" xmlns:a14="http://schemas.microsoft.com/office/drawing/2010/main" xmlns:ma14="http://schemas.microsoft.com/office/mac/drawingml/2011/main" val="1"/>
+              <ma14:wrappingTextBoxFlag xmlns:ma14="http://schemas.microsoft.com/office/mac/drawingml/2011/main" xmlns:a14="http://schemas.microsoft.com/office/drawing/2010/main" xmlns:m="http://schemas.openxmlformats.org/officeDocument/2006/math" xmlns="" val="1"/>
             </a:ext>
           </a:extLst>
         </p:spPr>
@@ -15503,7 +15528,7 @@
           </a:ln>
           <a:extLst>
             <a:ext uri="{C572A759-6A51-4108-AA02-DFA0A04FC94B}">
-              <ma14:wrappingTextBoxFlag xmlns="" xmlns:m="http://schemas.openxmlformats.org/officeDocument/2006/math" xmlns:a14="http://schemas.microsoft.com/office/drawing/2010/main" xmlns:ma14="http://schemas.microsoft.com/office/mac/drawingml/2011/main" val="1"/>
+              <ma14:wrappingTextBoxFlag xmlns:ma14="http://schemas.microsoft.com/office/mac/drawingml/2011/main" xmlns:a14="http://schemas.microsoft.com/office/drawing/2010/main" xmlns:m="http://schemas.openxmlformats.org/officeDocument/2006/math" xmlns="" val="1"/>
             </a:ext>
           </a:extLst>
         </p:spPr>
@@ -16349,7 +16374,7 @@
           </a:ln>
           <a:extLst>
             <a:ext uri="{C572A759-6A51-4108-AA02-DFA0A04FC94B}">
-              <ma14:wrappingTextBoxFlag xmlns="" xmlns:m="http://schemas.openxmlformats.org/officeDocument/2006/math" xmlns:a14="http://schemas.microsoft.com/office/drawing/2010/main" xmlns:ma14="http://schemas.microsoft.com/office/mac/drawingml/2011/main" val="1"/>
+              <ma14:wrappingTextBoxFlag xmlns:ma14="http://schemas.microsoft.com/office/mac/drawingml/2011/main" xmlns:a14="http://schemas.microsoft.com/office/drawing/2010/main" xmlns:m="http://schemas.openxmlformats.org/officeDocument/2006/math" xmlns="" val="1"/>
             </a:ext>
           </a:extLst>
         </p:spPr>
@@ -16624,7 +16649,7 @@
             <a:effectLst/>
             <a:extLst>
               <a:ext uri="{C572A759-6A51-4108-AA02-DFA0A04FC94B}">
-                <ma14:wrappingTextBoxFlag xmlns="" xmlns:m="http://schemas.openxmlformats.org/officeDocument/2006/math" xmlns:a14="http://schemas.microsoft.com/office/drawing/2010/main" xmlns:ma14="http://schemas.microsoft.com/office/mac/drawingml/2011/main" val="1"/>
+                <ma14:wrappingTextBoxFlag xmlns:ma14="http://schemas.microsoft.com/office/mac/drawingml/2011/main" xmlns:a14="http://schemas.microsoft.com/office/drawing/2010/main" xmlns:m="http://schemas.openxmlformats.org/officeDocument/2006/math" xmlns="" val="1"/>
               </a:ext>
             </a:extLst>
           </p:spPr>
@@ -17375,7 +17400,7 @@
           </a:ln>
           <a:extLst>
             <a:ext uri="{C572A759-6A51-4108-AA02-DFA0A04FC94B}">
-              <ma14:wrappingTextBoxFlag xmlns="" xmlns:m="http://schemas.openxmlformats.org/officeDocument/2006/math" xmlns:a14="http://schemas.microsoft.com/office/drawing/2010/main" xmlns:ma14="http://schemas.microsoft.com/office/mac/drawingml/2011/main" val="1"/>
+              <ma14:wrappingTextBoxFlag xmlns:ma14="http://schemas.microsoft.com/office/mac/drawingml/2011/main" xmlns:a14="http://schemas.microsoft.com/office/drawing/2010/main" xmlns:m="http://schemas.openxmlformats.org/officeDocument/2006/math" xmlns="" val="1"/>
             </a:ext>
           </a:extLst>
         </p:spPr>
@@ -17412,7 +17437,7 @@
           </a:ln>
           <a:extLst>
             <a:ext uri="{C572A759-6A51-4108-AA02-DFA0A04FC94B}">
-              <ma14:wrappingTextBoxFlag xmlns="" xmlns:m="http://schemas.openxmlformats.org/officeDocument/2006/math" xmlns:a14="http://schemas.microsoft.com/office/drawing/2010/main" xmlns:ma14="http://schemas.microsoft.com/office/mac/drawingml/2011/main" val="1"/>
+              <ma14:wrappingTextBoxFlag xmlns:ma14="http://schemas.microsoft.com/office/mac/drawingml/2011/main" xmlns:a14="http://schemas.microsoft.com/office/drawing/2010/main" xmlns:m="http://schemas.openxmlformats.org/officeDocument/2006/math" xmlns="" val="1"/>
             </a:ext>
           </a:extLst>
         </p:spPr>
@@ -18214,7 +18239,7 @@
           </a:ln>
           <a:extLst>
             <a:ext uri="{C572A759-6A51-4108-AA02-DFA0A04FC94B}">
-              <ma14:wrappingTextBoxFlag xmlns="" xmlns:m="http://schemas.openxmlformats.org/officeDocument/2006/math" xmlns:a14="http://schemas.microsoft.com/office/drawing/2010/main" xmlns:ma14="http://schemas.microsoft.com/office/mac/drawingml/2011/main" val="1"/>
+              <ma14:wrappingTextBoxFlag xmlns:ma14="http://schemas.microsoft.com/office/mac/drawingml/2011/main" xmlns:a14="http://schemas.microsoft.com/office/drawing/2010/main" xmlns:m="http://schemas.openxmlformats.org/officeDocument/2006/math" xmlns="" val="1"/>
             </a:ext>
           </a:extLst>
         </p:spPr>
@@ -18659,7 +18684,7 @@
           </a:prstGeom>
           <a:extLst>
             <a:ext uri="{C572A759-6A51-4108-AA02-DFA0A04FC94B}">
-              <ma14:wrappingTextBoxFlag xmlns="" xmlns:m="http://schemas.openxmlformats.org/officeDocument/2006/math" xmlns:a14="http://schemas.microsoft.com/office/drawing/2010/main" xmlns:ma14="http://schemas.microsoft.com/office/mac/drawingml/2011/main" val="1"/>
+              <ma14:wrappingTextBoxFlag xmlns:ma14="http://schemas.microsoft.com/office/mac/drawingml/2011/main" xmlns:a14="http://schemas.microsoft.com/office/drawing/2010/main" xmlns:m="http://schemas.openxmlformats.org/officeDocument/2006/math" xmlns="" val="1"/>
             </a:ext>
           </a:extLst>
         </p:spPr>
@@ -18808,7 +18833,7 @@
           </a:ln>
           <a:extLst>
             <a:ext uri="{C572A759-6A51-4108-AA02-DFA0A04FC94B}">
-              <ma14:wrappingTextBoxFlag xmlns="" xmlns:m="http://schemas.openxmlformats.org/officeDocument/2006/math" xmlns:a14="http://schemas.microsoft.com/office/drawing/2010/main" xmlns:ma14="http://schemas.microsoft.com/office/mac/drawingml/2011/main" val="1"/>
+              <ma14:wrappingTextBoxFlag xmlns:ma14="http://schemas.microsoft.com/office/mac/drawingml/2011/main" xmlns:a14="http://schemas.microsoft.com/office/drawing/2010/main" xmlns:m="http://schemas.openxmlformats.org/officeDocument/2006/math" xmlns="" val="1"/>
             </a:ext>
           </a:extLst>
         </p:spPr>
@@ -19092,7 +19117,7 @@
           </a:prstGeom>
           <a:extLst>
             <a:ext uri="{C572A759-6A51-4108-AA02-DFA0A04FC94B}">
-              <ma14:wrappingTextBoxFlag xmlns="" xmlns:m="http://schemas.openxmlformats.org/officeDocument/2006/math" xmlns:a14="http://schemas.microsoft.com/office/drawing/2010/main" xmlns:ma14="http://schemas.microsoft.com/office/mac/drawingml/2011/main" val="1"/>
+              <ma14:wrappingTextBoxFlag xmlns:ma14="http://schemas.microsoft.com/office/mac/drawingml/2011/main" xmlns:a14="http://schemas.microsoft.com/office/drawing/2010/main" xmlns:m="http://schemas.openxmlformats.org/officeDocument/2006/math" xmlns="" val="1"/>
             </a:ext>
           </a:extLst>
         </p:spPr>
@@ -19203,7 +19228,7 @@
           </a:prstGeom>
           <a:extLst>
             <a:ext uri="{C572A759-6A51-4108-AA02-DFA0A04FC94B}">
-              <ma14:wrappingTextBoxFlag xmlns="" xmlns:m="http://schemas.openxmlformats.org/officeDocument/2006/math" xmlns:a14="http://schemas.microsoft.com/office/drawing/2010/main" xmlns:ma14="http://schemas.microsoft.com/office/mac/drawingml/2011/main" val="1"/>
+              <ma14:wrappingTextBoxFlag xmlns:ma14="http://schemas.microsoft.com/office/mac/drawingml/2011/main" xmlns:a14="http://schemas.microsoft.com/office/drawing/2010/main" xmlns:m="http://schemas.openxmlformats.org/officeDocument/2006/math" xmlns="" val="1"/>
             </a:ext>
           </a:extLst>
         </p:spPr>
@@ -19279,7 +19304,7 @@
           </a:ln>
           <a:extLst>
             <a:ext uri="{C572A759-6A51-4108-AA02-DFA0A04FC94B}">
-              <ma14:wrappingTextBoxFlag xmlns:ma14="http://schemas.microsoft.com/office/mac/drawingml/2011/main" xmlns:a14="http://schemas.microsoft.com/office/drawing/2010/main" xmlns:m="http://schemas.openxmlformats.org/officeDocument/2006/math" xmlns="" val="1"/>
+              <ma14:wrappingTextBoxFlag xmlns="" xmlns:m="http://schemas.openxmlformats.org/officeDocument/2006/math" xmlns:a14="http://schemas.microsoft.com/office/drawing/2010/main" xmlns:ma14="http://schemas.microsoft.com/office/mac/drawingml/2011/main" val="1"/>
             </a:ext>
           </a:extLst>
         </p:spPr>
@@ -19340,7 +19365,7 @@
           </a:ln>
           <a:extLst>
             <a:ext uri="{C572A759-6A51-4108-AA02-DFA0A04FC94B}">
-              <ma14:wrappingTextBoxFlag xmlns:ma14="http://schemas.microsoft.com/office/mac/drawingml/2011/main" xmlns:a14="http://schemas.microsoft.com/office/drawing/2010/main" xmlns:m="http://schemas.openxmlformats.org/officeDocument/2006/math" xmlns="" val="1"/>
+              <ma14:wrappingTextBoxFlag xmlns="" xmlns:m="http://schemas.openxmlformats.org/officeDocument/2006/math" xmlns:a14="http://schemas.microsoft.com/office/drawing/2010/main" xmlns:ma14="http://schemas.microsoft.com/office/mac/drawingml/2011/main" val="1"/>
             </a:ext>
           </a:extLst>
         </p:spPr>
@@ -19548,7 +19573,7 @@
             <a:effectLst/>
             <a:extLst>
               <a:ext uri="{C572A759-6A51-4108-AA02-DFA0A04FC94B}">
-                <ma14:wrappingTextBoxFlag xmlns:ma14="http://schemas.microsoft.com/office/mac/drawingml/2011/main" xmlns:a14="http://schemas.microsoft.com/office/drawing/2010/main" xmlns:m="http://schemas.openxmlformats.org/officeDocument/2006/math" xmlns="" val="1"/>
+                <ma14:wrappingTextBoxFlag xmlns="" xmlns:m="http://schemas.openxmlformats.org/officeDocument/2006/math" xmlns:a14="http://schemas.microsoft.com/office/drawing/2010/main" xmlns:ma14="http://schemas.microsoft.com/office/mac/drawingml/2011/main" val="1"/>
               </a:ext>
             </a:extLst>
           </p:spPr>
@@ -22716,7 +22741,7 @@
           </a:prstGeom>
           <a:extLst>
             <a:ext uri="{C572A759-6A51-4108-AA02-DFA0A04FC94B}">
-              <ma14:wrappingTextBoxFlag xmlns="" xmlns:m="http://schemas.openxmlformats.org/officeDocument/2006/math" xmlns:a14="http://schemas.microsoft.com/office/drawing/2010/main" xmlns:ma14="http://schemas.microsoft.com/office/mac/drawingml/2011/main" val="1"/>
+              <ma14:wrappingTextBoxFlag xmlns:ma14="http://schemas.microsoft.com/office/mac/drawingml/2011/main" xmlns:a14="http://schemas.microsoft.com/office/drawing/2010/main" xmlns:m="http://schemas.openxmlformats.org/officeDocument/2006/math" xmlns="" val="1"/>
             </a:ext>
           </a:extLst>
         </p:spPr>
@@ -22994,7 +23019,7 @@
           </a:ln>
           <a:extLst>
             <a:ext uri="{C572A759-6A51-4108-AA02-DFA0A04FC94B}">
-              <ma14:wrappingTextBoxFlag xmlns="" xmlns:m="http://schemas.openxmlformats.org/officeDocument/2006/math" xmlns:a14="http://schemas.microsoft.com/office/drawing/2010/main" xmlns:ma14="http://schemas.microsoft.com/office/mac/drawingml/2011/main" val="1"/>
+              <ma14:wrappingTextBoxFlag xmlns:ma14="http://schemas.microsoft.com/office/mac/drawingml/2011/main" xmlns:a14="http://schemas.microsoft.com/office/drawing/2010/main" xmlns:m="http://schemas.openxmlformats.org/officeDocument/2006/math" xmlns="" val="1"/>
             </a:ext>
           </a:extLst>
         </p:spPr>
@@ -23127,7 +23152,7 @@
           </a:prstGeom>
           <a:extLst>
             <a:ext uri="{C572A759-6A51-4108-AA02-DFA0A04FC94B}">
-              <ma14:wrappingTextBoxFlag xmlns="" xmlns:m="http://schemas.openxmlformats.org/officeDocument/2006/math" xmlns:a14="http://schemas.microsoft.com/office/drawing/2010/main" xmlns:ma14="http://schemas.microsoft.com/office/mac/drawingml/2011/main" val="1"/>
+              <ma14:wrappingTextBoxFlag xmlns:ma14="http://schemas.microsoft.com/office/mac/drawingml/2011/main" xmlns:a14="http://schemas.microsoft.com/office/drawing/2010/main" xmlns:m="http://schemas.openxmlformats.org/officeDocument/2006/math" xmlns="" val="1"/>
             </a:ext>
           </a:extLst>
         </p:spPr>
@@ -23418,7 +23443,7 @@
         <p:spPr>
           <a:xfrm>
             <a:off x="2376000" y="1800000"/>
-            <a:ext cx="8784000" cy="1114200"/>
+            <a:ext cx="8784000" cy="1822122"/>
           </a:xfrm>
           <a:prstGeom prst="rect">
             <a:avLst/>
@@ -23429,7 +23454,7 @@
           </a:ln>
         </p:spPr>
         <p:txBody>
-          <a:bodyPr lIns="90000" tIns="45000" rIns="90000" bIns="45000">
+          <a:bodyPr lIns="90000" tIns="45000" rIns="90000" bIns="45000" anchor="t">
             <a:spAutoFit/>
           </a:bodyPr>
           <a:lstStyle>
@@ -23542,11 +23567,46 @@
           </a:p>
           <a:p>
             <a:r>
+              <a:rPr lang="en-GB" sz="1800" b="0" strike="noStrike" spc="-1" dirty="0">
+                <a:latin typeface="Arial"/>
+                <a:hlinkClick r:id="rId2">
+                  <a:extLst>
+                    <a:ext uri="{A12FA001-AC4F-418D-AE19-62706E023703}">
+                      <ahyp:hlinkClr xmlns:ahyp="http://schemas.microsoft.com/office/drawing/2018/hyperlinkcolor" val="tx"/>
+                    </a:ext>
+                  </a:extLst>
+                </a:hlinkClick>
+              </a:rPr>
+              <a:t>https://github.com/McStasMcXtrace/Schools/</a:t>
+            </a:r>
+            <a:r>
+              <a:rPr lang="en-GB" spc="-1" dirty="0">
+                <a:latin typeface="Arial"/>
+                <a:hlinkClick r:id="rId2">
+                  <a:extLst>
+                    <a:ext uri="{A12FA001-AC4F-418D-AE19-62706E023703}">
+                      <ahyp:hlinkClr xmlns:ahyp="http://schemas.microsoft.com/office/drawing/2018/hyperlinkcolor" val="tx"/>
+                    </a:ext>
+                  </a:extLst>
+                </a:hlinkClick>
+              </a:rPr>
+              <a:t>tree/master/ESS_May_2021/Wednesday_May_5th/4_Choppers_and_other_rotating_optics</a:t>
+            </a:r>
+          </a:p>
+          <a:p>
+            <a:r>
+              <a:rPr lang="en-GB" spc="-1">
+                <a:latin typeface="Arial"/>
+              </a:rPr>
+              <a:t>g</a:t>
+            </a:r>
+            <a:r>
               <a:rPr lang="en-GB" sz="1800" b="0" strike="noStrike" spc="-1">
                 <a:latin typeface="Arial"/>
               </a:rPr>
-              <a:t>https://github.com/McStasMcXtrace/Schools/blob/master/ISIS_April_2021/Tuesday_April_13th/4_Choppers_and_other_rotating_optics/README.md</a:t>
+              <a:t>_optics/README.md</a:t>
             </a:r>
+            <a:endParaRPr lang="en-GB"/>
           </a:p>
         </p:txBody>
       </p:sp>
